--- a/노트/9_etc/4_요구사항확인.pptx
+++ b/노트/9_etc/4_요구사항확인.pptx
@@ -3924,6 +3924,13 @@
   <p:clrMapOvr>
     <a:masterClrMapping/>
   </p:clrMapOvr>
+  <p:timing>
+    <p:tnLst>
+      <p:par>
+        <p:cTn id="1" dur="indefinite" restart="never" nodeType="tmRoot"/>
+      </p:par>
+    </p:tnLst>
+  </p:timing>
 </p:sld>
 </file>
 
@@ -5871,14 +5878,14 @@
                 <a:gridCol w="1475656">
                   <a:extLst>
                     <a:ext uri="{9D8B030D-6E8A-4147-A177-3AD203B41FA5}">
-                      <a16:colId xmlns="" xmlns:a16="http://schemas.microsoft.com/office/drawing/2014/main" val="20000"/>
+                      <a16:colId xmlns:a16="http://schemas.microsoft.com/office/drawing/2014/main" xmlns="" val="20000"/>
                     </a:ext>
                   </a:extLst>
                 </a:gridCol>
                 <a:gridCol w="7272808">
                   <a:extLst>
                     <a:ext uri="{9D8B030D-6E8A-4147-A177-3AD203B41FA5}">
-                      <a16:colId xmlns="" xmlns:a16="http://schemas.microsoft.com/office/drawing/2014/main" val="20001"/>
+                      <a16:colId xmlns:a16="http://schemas.microsoft.com/office/drawing/2014/main" xmlns="" val="20001"/>
                     </a:ext>
                   </a:extLst>
                 </a:gridCol>
@@ -5914,7 +5921,7 @@
                 </a:tc>
                 <a:extLst>
                   <a:ext uri="{0D108BD9-81ED-4DB2-BD59-A6C34878D82A}">
-                    <a16:rowId xmlns="" xmlns:a16="http://schemas.microsoft.com/office/drawing/2014/main" val="10000"/>
+                    <a16:rowId xmlns:a16="http://schemas.microsoft.com/office/drawing/2014/main" xmlns="" val="10000"/>
                   </a:ext>
                 </a:extLst>
               </a:tr>
@@ -5951,7 +5958,7 @@
                 </a:tc>
                 <a:extLst>
                   <a:ext uri="{0D108BD9-81ED-4DB2-BD59-A6C34878D82A}">
-                    <a16:rowId xmlns="" xmlns:a16="http://schemas.microsoft.com/office/drawing/2014/main" val="10001"/>
+                    <a16:rowId xmlns:a16="http://schemas.microsoft.com/office/drawing/2014/main" xmlns="" val="10001"/>
                   </a:ext>
                 </a:extLst>
               </a:tr>
@@ -6526,6 +6533,13 @@
   <p:clrMapOvr>
     <a:masterClrMapping/>
   </p:clrMapOvr>
+  <p:timing>
+    <p:tnLst>
+      <p:par>
+        <p:cTn id="1" dur="indefinite" restart="never" nodeType="tmRoot"/>
+      </p:par>
+    </p:tnLst>
+  </p:timing>
 </p:sld>
 </file>
 
@@ -7054,6 +7068,13 @@
   <p:clrMapOvr>
     <a:masterClrMapping/>
   </p:clrMapOvr>
+  <p:timing>
+    <p:tnLst>
+      <p:par>
+        <p:cTn id="1" dur="indefinite" restart="never" nodeType="tmRoot"/>
+      </p:par>
+    </p:tnLst>
+  </p:timing>
 </p:sld>
 </file>
 
@@ -11964,7 +11985,7 @@
             <a:r>
               <a:rPr kumimoji="0" lang="ko-KR" altLang="en-US" sz="2400" b="1" dirty="0" smtClean="0">
                 <a:solidFill>
-                  <a:srgbClr val="FF0000"/>
+                  <a:srgbClr val="0000FF"/>
                 </a:solidFill>
                 <a:latin typeface="맑은 고딕"/>
                 <a:ea typeface="맑은 고딕"/>
@@ -11974,7 +11995,7 @@
             <a:r>
               <a:rPr kumimoji="0" lang="en-US" altLang="ko-KR" sz="2400" b="1" dirty="0" smtClean="0">
                 <a:solidFill>
-                  <a:srgbClr val="FF0000"/>
+                  <a:srgbClr val="0000FF"/>
                 </a:solidFill>
                 <a:latin typeface="맑은 고딕"/>
                 <a:ea typeface="맑은 고딕"/>
@@ -11994,7 +12015,7 @@
             <a:r>
               <a:rPr kumimoji="0" lang="ko-KR" altLang="en-US" sz="2400" b="1" dirty="0" smtClean="0">
                 <a:solidFill>
-                  <a:srgbClr val="FF0000"/>
+                  <a:srgbClr val="0000FF"/>
                 </a:solidFill>
                 <a:latin typeface="맑은 고딕"/>
                 <a:ea typeface="맑은 고딕"/>
@@ -12003,7 +12024,7 @@
             </a:r>
             <a:endParaRPr kumimoji="0" lang="ko-KR" altLang="en-US" sz="2000" b="1" dirty="0">
               <a:solidFill>
-                <a:srgbClr val="FF0000"/>
+                <a:srgbClr val="0000FF"/>
               </a:solidFill>
               <a:latin typeface="맑은 고딕"/>
               <a:ea typeface="맑은 고딕"/>
